--- a/doc/Vinu_Xavier_16MPD0024_Status_03.pptx
+++ b/doc/Vinu_Xavier_16MPD0024_Status_03.pptx
@@ -13,6 +13,10 @@
     <p:sldId id="265" r:id="rId7"/>
     <p:sldId id="263" r:id="rId8"/>
     <p:sldId id="264" r:id="rId9"/>
+    <p:sldId id="266" r:id="rId10"/>
+    <p:sldId id="267" r:id="rId11"/>
+    <p:sldId id="268" r:id="rId12"/>
+    <p:sldId id="269" r:id="rId13"/>
   </p:sldIdLst>
   <p:sldSz cx="12192000" cy="6858000"/>
   <p:notesSz cx="6858000" cy="9144000"/>
@@ -3866,7 +3870,38 @@
                   <a:schemeClr val="bg1"/>
                 </a:solidFill>
               </a:rPr>
-              <a:t>ABNORMAL DRIVING BEHAVIOR DETECTION &amp; CONTROL</a:t>
+              <a:t>ALGORITHM FOR </a:t>
+            </a:r>
+            <a:br>
+              <a:rPr lang="en-US" dirty="0" smtClean="0">
+                <a:solidFill>
+                  <a:schemeClr val="bg1"/>
+                </a:solidFill>
+              </a:rPr>
+            </a:br>
+            <a:r>
+              <a:rPr lang="en-US" dirty="0" smtClean="0">
+                <a:solidFill>
+                  <a:schemeClr val="bg1"/>
+                </a:solidFill>
+              </a:rPr>
+              <a:t>ABNORMAL </a:t>
+            </a:r>
+            <a:r>
+              <a:rPr lang="en-US" dirty="0" smtClean="0">
+                <a:solidFill>
+                  <a:schemeClr val="bg1"/>
+                </a:solidFill>
+              </a:rPr>
+              <a:t>DRIVING BEHAVIOR </a:t>
+            </a:r>
+            <a:r>
+              <a:rPr lang="en-US" dirty="0" smtClean="0">
+                <a:solidFill>
+                  <a:schemeClr val="bg1"/>
+                </a:solidFill>
+              </a:rPr>
+              <a:t>DETECTION</a:t>
             </a:r>
             <a:endParaRPr lang="en-US" dirty="0">
               <a:solidFill>
@@ -3900,7 +3935,7 @@
               <a:rPr lang="en-US" dirty="0" smtClean="0">
                 <a:latin typeface="Calibri" panose="020F0502020204030204" pitchFamily="34" charset="0"/>
               </a:rPr>
-              <a:t>MINI PROJECT– MCO5102</a:t>
+              <a:t>MAIN PROJECT</a:t>
             </a:r>
             <a:endParaRPr lang="en-US" dirty="0">
               <a:latin typeface="Calibri" panose="020F0502020204030204" pitchFamily="34" charset="0"/>
@@ -4247,6 +4282,274 @@
 </p:sld>
 </file>
 
+<file path=ppt/slides/slide10.xml><?xml version="1.0" encoding="utf-8"?>
+<p:sld xmlns:a="http://schemas.openxmlformats.org/drawingml/2006/main" xmlns:r="http://schemas.openxmlformats.org/officeDocument/2006/relationships" xmlns:p="http://schemas.openxmlformats.org/presentationml/2006/main">
+  <p:cSld>
+    <p:spTree>
+      <p:nvGrpSpPr>
+        <p:cNvPr id="1" name=""/>
+        <p:cNvGrpSpPr/>
+        <p:nvPr/>
+      </p:nvGrpSpPr>
+      <p:grpSpPr>
+        <a:xfrm>
+          <a:off x="0" y="0"/>
+          <a:ext cx="0" cy="0"/>
+          <a:chOff x="0" y="0"/>
+          <a:chExt cx="0" cy="0"/>
+        </a:xfrm>
+      </p:grpSpPr>
+      <p:sp>
+        <p:nvSpPr>
+          <p:cNvPr id="2" name="Title 1"/>
+          <p:cNvSpPr>
+            <a:spLocks noGrp="1"/>
+          </p:cNvSpPr>
+          <p:nvPr>
+            <p:ph type="title"/>
+          </p:nvPr>
+        </p:nvSpPr>
+        <p:spPr/>
+        <p:txBody>
+          <a:bodyPr/>
+          <a:lstStyle/>
+          <a:p>
+            <a:r>
+              <a:rPr lang="en-IN" dirty="0" smtClean="0"/>
+              <a:t>RESULTS – SIDE SLIP ALGORITHM – ABNORMAL BEHAVIOR</a:t>
+            </a:r>
+            <a:endParaRPr lang="en-US" dirty="0"/>
+          </a:p>
+        </p:txBody>
+      </p:sp>
+      <p:pic>
+        <p:nvPicPr>
+          <p:cNvPr id="4" name="Picture 3" descr="Screen Clipping"/>
+          <p:cNvPicPr>
+            <a:picLocks noChangeAspect="1"/>
+          </p:cNvPicPr>
+          <p:nvPr/>
+        </p:nvPicPr>
+        <p:blipFill>
+          <a:blip r:embed="rId2">
+            <a:extLst>
+              <a:ext uri="{28A0092B-C50C-407E-A947-70E740481C1C}">
+                <a14:useLocalDpi xmlns:a14="http://schemas.microsoft.com/office/drawing/2010/main" val="0"/>
+              </a:ext>
+            </a:extLst>
+          </a:blip>
+          <a:stretch>
+            <a:fillRect/>
+          </a:stretch>
+        </p:blipFill>
+        <p:spPr>
+          <a:xfrm>
+            <a:off x="581192" y="1473859"/>
+            <a:ext cx="10437341" cy="5384141"/>
+          </a:xfrm>
+          <a:prstGeom prst="rect">
+            <a:avLst/>
+          </a:prstGeom>
+        </p:spPr>
+      </p:pic>
+    </p:spTree>
+    <p:extLst>
+      <p:ext uri="{BB962C8B-B14F-4D97-AF65-F5344CB8AC3E}">
+        <p14:creationId xmlns:p14="http://schemas.microsoft.com/office/powerpoint/2010/main" val="4117117480"/>
+      </p:ext>
+    </p:extLst>
+  </p:cSld>
+  <p:clrMapOvr>
+    <a:masterClrMapping/>
+  </p:clrMapOvr>
+</p:sld>
+</file>
+
+<file path=ppt/slides/slide11.xml><?xml version="1.0" encoding="utf-8"?>
+<p:sld xmlns:a="http://schemas.openxmlformats.org/drawingml/2006/main" xmlns:r="http://schemas.openxmlformats.org/officeDocument/2006/relationships" xmlns:p="http://schemas.openxmlformats.org/presentationml/2006/main">
+  <p:cSld>
+    <p:spTree>
+      <p:nvGrpSpPr>
+        <p:cNvPr id="1" name=""/>
+        <p:cNvGrpSpPr/>
+        <p:nvPr/>
+      </p:nvGrpSpPr>
+      <p:grpSpPr>
+        <a:xfrm>
+          <a:off x="0" y="0"/>
+          <a:ext cx="0" cy="0"/>
+          <a:chOff x="0" y="0"/>
+          <a:chExt cx="0" cy="0"/>
+        </a:xfrm>
+      </p:grpSpPr>
+      <p:sp>
+        <p:nvSpPr>
+          <p:cNvPr id="2" name="Title 1"/>
+          <p:cNvSpPr>
+            <a:spLocks noGrp="1"/>
+          </p:cNvSpPr>
+          <p:nvPr>
+            <p:ph type="title"/>
+          </p:nvPr>
+        </p:nvSpPr>
+        <p:spPr/>
+        <p:txBody>
+          <a:bodyPr/>
+          <a:lstStyle/>
+          <a:p>
+            <a:r>
+              <a:rPr lang="en-IN" dirty="0" smtClean="0"/>
+              <a:t>RESULTS – SIDE SLIP ALGORITHM –NORMAL BEHAVIOR</a:t>
+            </a:r>
+            <a:endParaRPr lang="en-US" dirty="0"/>
+          </a:p>
+        </p:txBody>
+      </p:sp>
+      <p:pic>
+        <p:nvPicPr>
+          <p:cNvPr id="5" name="Picture 4" descr="Screen Clipping"/>
+          <p:cNvPicPr>
+            <a:picLocks noChangeAspect="1"/>
+          </p:cNvPicPr>
+          <p:nvPr/>
+        </p:nvPicPr>
+        <p:blipFill>
+          <a:blip r:embed="rId2">
+            <a:extLst>
+              <a:ext uri="{28A0092B-C50C-407E-A947-70E740481C1C}">
+                <a14:useLocalDpi xmlns:a14="http://schemas.microsoft.com/office/drawing/2010/main" val="0"/>
+              </a:ext>
+            </a:extLst>
+          </a:blip>
+          <a:stretch>
+            <a:fillRect/>
+          </a:stretch>
+        </p:blipFill>
+        <p:spPr>
+          <a:xfrm>
+            <a:off x="420129" y="1666592"/>
+            <a:ext cx="11055178" cy="3837001"/>
+          </a:xfrm>
+          <a:prstGeom prst="rect">
+            <a:avLst/>
+          </a:prstGeom>
+        </p:spPr>
+      </p:pic>
+    </p:spTree>
+    <p:extLst>
+      <p:ext uri="{BB962C8B-B14F-4D97-AF65-F5344CB8AC3E}">
+        <p14:creationId xmlns:p14="http://schemas.microsoft.com/office/powerpoint/2010/main" val="1384243364"/>
+      </p:ext>
+    </p:extLst>
+  </p:cSld>
+  <p:clrMapOvr>
+    <a:masterClrMapping/>
+  </p:clrMapOvr>
+</p:sld>
+</file>
+
+<file path=ppt/slides/slide12.xml><?xml version="1.0" encoding="utf-8"?>
+<p:sld xmlns:a="http://schemas.openxmlformats.org/drawingml/2006/main" xmlns:r="http://schemas.openxmlformats.org/officeDocument/2006/relationships" xmlns:p="http://schemas.openxmlformats.org/presentationml/2006/main">
+  <p:cSld>
+    <p:spTree>
+      <p:nvGrpSpPr>
+        <p:cNvPr id="1" name=""/>
+        <p:cNvGrpSpPr/>
+        <p:nvPr/>
+      </p:nvGrpSpPr>
+      <p:grpSpPr>
+        <a:xfrm>
+          <a:off x="0" y="0"/>
+          <a:ext cx="0" cy="0"/>
+          <a:chOff x="0" y="0"/>
+          <a:chExt cx="0" cy="0"/>
+        </a:xfrm>
+      </p:grpSpPr>
+      <p:sp>
+        <p:nvSpPr>
+          <p:cNvPr id="2" name="Title 1"/>
+          <p:cNvSpPr>
+            <a:spLocks noGrp="1"/>
+          </p:cNvSpPr>
+          <p:nvPr>
+            <p:ph type="title"/>
+          </p:nvPr>
+        </p:nvSpPr>
+        <p:spPr/>
+        <p:txBody>
+          <a:bodyPr/>
+          <a:lstStyle/>
+          <a:p>
+            <a:r>
+              <a:rPr lang="en-IN" dirty="0" smtClean="0"/>
+              <a:t>CONCLUSION</a:t>
+            </a:r>
+            <a:endParaRPr lang="en-US" dirty="0"/>
+          </a:p>
+        </p:txBody>
+      </p:sp>
+      <p:sp>
+        <p:nvSpPr>
+          <p:cNvPr id="4" name="Content Placeholder 2"/>
+          <p:cNvSpPr>
+            <a:spLocks noGrp="1"/>
+          </p:cNvSpPr>
+          <p:nvPr>
+            <p:ph idx="1"/>
+          </p:nvPr>
+        </p:nvSpPr>
+        <p:spPr>
+          <a:xfrm>
+            <a:off x="581192" y="1475678"/>
+            <a:ext cx="7636377" cy="5098116"/>
+          </a:xfrm>
+        </p:spPr>
+        <p:txBody>
+          <a:bodyPr/>
+          <a:lstStyle/>
+          <a:p>
+            <a:endParaRPr lang="en-US" dirty="0" smtClean="0"/>
+          </a:p>
+          <a:p>
+            <a:r>
+              <a:rPr lang="en-US" dirty="0" smtClean="0"/>
+              <a:t>Implementation of various algorithms done in </a:t>
+            </a:r>
+            <a:r>
+              <a:rPr lang="en-US" dirty="0" err="1" smtClean="0"/>
+              <a:t>Matlab</a:t>
+            </a:r>
+            <a:r>
+              <a:rPr lang="en-US" dirty="0" smtClean="0"/>
+              <a:t> Simulink with real time </a:t>
+            </a:r>
+            <a:r>
+              <a:rPr lang="en-US" smtClean="0"/>
+              <a:t>SAS inputs.</a:t>
+            </a:r>
+            <a:endParaRPr lang="en-US" dirty="0" smtClean="0"/>
+          </a:p>
+          <a:p>
+            <a:r>
+              <a:rPr lang="en-US" dirty="0" smtClean="0"/>
+              <a:t>Algorithm is verified against normal and abnormal behavior.</a:t>
+            </a:r>
+          </a:p>
+        </p:txBody>
+      </p:sp>
+    </p:spTree>
+    <p:extLst>
+      <p:ext uri="{BB962C8B-B14F-4D97-AF65-F5344CB8AC3E}">
+        <p14:creationId xmlns:p14="http://schemas.microsoft.com/office/powerpoint/2010/main" val="1445842372"/>
+      </p:ext>
+    </p:extLst>
+  </p:cSld>
+  <p:clrMapOvr>
+    <a:masterClrMapping/>
+  </p:clrMapOvr>
+</p:sld>
+</file>
+
 <file path=ppt/slides/slide2.xml><?xml version="1.0" encoding="utf-8"?>
 <p:sld xmlns:a="http://schemas.openxmlformats.org/drawingml/2006/main" xmlns:r="http://schemas.openxmlformats.org/officeDocument/2006/relationships" xmlns:p="http://schemas.openxmlformats.org/presentationml/2006/main">
   <p:cSld>
@@ -4281,7 +4584,7 @@
           <a:p>
             <a:r>
               <a:rPr lang="en-US" dirty="0" smtClean="0"/>
-              <a:t>Overview</a:t>
+              <a:t>ABSTRACT</a:t>
             </a:r>
             <a:endParaRPr lang="en-US" dirty="0"/>
           </a:p>
@@ -4311,17 +4614,94 @@
           </a:p>
           <a:p>
             <a:r>
+              <a:rPr lang="en-US" dirty="0"/>
+              <a:t>The studies say that the driver negligence plays a vital role in the in the various reasons which cause </a:t>
+            </a:r>
+            <a:r>
               <a:rPr lang="en-US" dirty="0" smtClean="0"/>
-              <a:t>Motivation : 140000 accident death occurred in 2016 in India</a:t>
-            </a:r>
+              <a:t>an accident</a:t>
+            </a:r>
+            <a:r>
+              <a:rPr lang="en-US" dirty="0"/>
+              <a:t>. </a:t>
+            </a:r>
+            <a:endParaRPr lang="en-US" dirty="0" smtClean="0"/>
           </a:p>
           <a:p>
             <a:r>
               <a:rPr lang="en-US" dirty="0" smtClean="0"/>
-              <a:t>40% accidents occurred in careless driver behavior</a:t>
-            </a:r>
-          </a:p>
-          <a:p>
+              <a:t>Each </a:t>
+            </a:r>
+            <a:r>
+              <a:rPr lang="en-US" dirty="0"/>
+              <a:t>and every abnormality in the driving </a:t>
+            </a:r>
+            <a:r>
+              <a:rPr lang="en-US" dirty="0" smtClean="0"/>
+              <a:t>behavior </a:t>
+            </a:r>
+            <a:r>
+              <a:rPr lang="en-US" dirty="0"/>
+              <a:t>is visible </a:t>
+            </a:r>
+            <a:r>
+              <a:rPr lang="en-US" dirty="0" smtClean="0"/>
+              <a:t>as </a:t>
+            </a:r>
+            <a:r>
+              <a:rPr lang="en-US" dirty="0"/>
+              <a:t>a </a:t>
+            </a:r>
+            <a:r>
+              <a:rPr lang="en-US" dirty="0" smtClean="0"/>
+              <a:t>pattern</a:t>
+            </a:r>
+          </a:p>
+          <a:p>
+            <a:r>
+              <a:rPr lang="en-US" dirty="0"/>
+              <a:t>T</a:t>
+            </a:r>
+            <a:r>
+              <a:rPr lang="en-US" dirty="0" smtClean="0"/>
+              <a:t>his </a:t>
+            </a:r>
+            <a:r>
+              <a:rPr lang="en-US" dirty="0"/>
+              <a:t>thesis would like to consider various algorithms </a:t>
+            </a:r>
+            <a:r>
+              <a:rPr lang="en-US" dirty="0" smtClean="0"/>
+              <a:t>based on Steering wheel angle sensor (SAS) to detect </a:t>
+            </a:r>
+            <a:r>
+              <a:rPr lang="en-US" dirty="0"/>
+              <a:t>the abnormalities in the driving </a:t>
+            </a:r>
+            <a:r>
+              <a:rPr lang="en-US" dirty="0" smtClean="0"/>
+              <a:t>behavior </a:t>
+            </a:r>
+            <a:r>
+              <a:rPr lang="en-US" dirty="0"/>
+              <a:t>and thereby </a:t>
+            </a:r>
+            <a:r>
+              <a:rPr lang="en-US" dirty="0" smtClean="0"/>
+              <a:t>either taking </a:t>
+            </a:r>
+            <a:r>
+              <a:rPr lang="en-US" dirty="0"/>
+              <a:t>failed reactions in an appropriate manner so that prevention </a:t>
+            </a:r>
+            <a:r>
+              <a:rPr lang="en-US" dirty="0" smtClean="0"/>
+              <a:t>of accidents </a:t>
+            </a:r>
+            <a:r>
+              <a:rPr lang="en-US" dirty="0"/>
+              <a:t>are possible.</a:t>
+            </a:r>
             <a:endParaRPr lang="en-US" dirty="0" smtClean="0"/>
           </a:p>
         </p:txBody>
@@ -5560,7 +5940,6 @@
               <a:rPr lang="en-US" dirty="0" smtClean="0"/>
               <a:t>A continuous error accumulation followed by detection of abrupt counter steering is the behavior of this abnormality</a:t>
             </a:r>
-            <a:endParaRPr lang="en-US" dirty="0" smtClean="0"/>
           </a:p>
         </p:txBody>
       </p:sp>
@@ -7445,6 +7824,509 @@
 </p:sld>
 </file>
 
+<file path=ppt/slides/slide9.xml><?xml version="1.0" encoding="utf-8"?>
+<p:sld xmlns:a="http://schemas.openxmlformats.org/drawingml/2006/main" xmlns:r="http://schemas.openxmlformats.org/officeDocument/2006/relationships" xmlns:p="http://schemas.openxmlformats.org/presentationml/2006/main">
+  <p:cSld>
+    <p:spTree>
+      <p:nvGrpSpPr>
+        <p:cNvPr id="1" name=""/>
+        <p:cNvGrpSpPr/>
+        <p:nvPr/>
+      </p:nvGrpSpPr>
+      <p:grpSpPr>
+        <a:xfrm>
+          <a:off x="0" y="0"/>
+          <a:ext cx="0" cy="0"/>
+          <a:chOff x="0" y="0"/>
+          <a:chExt cx="0" cy="0"/>
+        </a:xfrm>
+      </p:grpSpPr>
+      <p:sp>
+        <p:nvSpPr>
+          <p:cNvPr id="2" name="Title 1"/>
+          <p:cNvSpPr>
+            <a:spLocks noGrp="1"/>
+          </p:cNvSpPr>
+          <p:nvPr>
+            <p:ph type="title"/>
+          </p:nvPr>
+        </p:nvSpPr>
+        <p:spPr/>
+        <p:txBody>
+          <a:bodyPr/>
+          <a:lstStyle/>
+          <a:p>
+            <a:r>
+              <a:rPr lang="en-IN" dirty="0" smtClean="0"/>
+              <a:t>GENERIC STRUCTURE OF ALGORITHM</a:t>
+            </a:r>
+            <a:endParaRPr lang="en-US" dirty="0"/>
+          </a:p>
+        </p:txBody>
+      </p:sp>
+      <p:sp>
+        <p:nvSpPr>
+          <p:cNvPr id="5" name="Rectangle 4"/>
+          <p:cNvSpPr/>
+          <p:nvPr/>
+        </p:nvSpPr>
+        <p:spPr>
+          <a:xfrm>
+            <a:off x="691978" y="1911178"/>
+            <a:ext cx="1416908" cy="955590"/>
+          </a:xfrm>
+          <a:prstGeom prst="rect">
+            <a:avLst/>
+          </a:prstGeom>
+        </p:spPr>
+        <p:style>
+          <a:lnRef idx="2">
+            <a:schemeClr val="accent1">
+              <a:shade val="50000"/>
+            </a:schemeClr>
+          </a:lnRef>
+          <a:fillRef idx="1">
+            <a:schemeClr val="accent1"/>
+          </a:fillRef>
+          <a:effectRef idx="0">
+            <a:schemeClr val="accent1"/>
+          </a:effectRef>
+          <a:fontRef idx="minor">
+            <a:schemeClr val="lt1"/>
+          </a:fontRef>
+        </p:style>
+        <p:txBody>
+          <a:bodyPr rtlCol="0" anchor="ctr"/>
+          <a:lstStyle/>
+          <a:p>
+            <a:pPr algn="ctr"/>
+            <a:r>
+              <a:rPr lang="en-US" dirty="0" smtClean="0"/>
+              <a:t>Reference Data from </a:t>
+            </a:r>
+          </a:p>
+          <a:p>
+            <a:pPr algn="ctr"/>
+            <a:r>
+              <a:rPr lang="en-US" dirty="0" smtClean="0"/>
+              <a:t>Cloud</a:t>
+            </a:r>
+            <a:endParaRPr lang="en-US" dirty="0"/>
+          </a:p>
+        </p:txBody>
+      </p:sp>
+      <p:sp>
+        <p:nvSpPr>
+          <p:cNvPr id="14" name="Rectangle 13"/>
+          <p:cNvSpPr/>
+          <p:nvPr/>
+        </p:nvSpPr>
+        <p:spPr>
+          <a:xfrm>
+            <a:off x="691978" y="3010194"/>
+            <a:ext cx="1416908" cy="955590"/>
+          </a:xfrm>
+          <a:prstGeom prst="rect">
+            <a:avLst/>
+          </a:prstGeom>
+        </p:spPr>
+        <p:style>
+          <a:lnRef idx="2">
+            <a:schemeClr val="accent1">
+              <a:shade val="50000"/>
+            </a:schemeClr>
+          </a:lnRef>
+          <a:fillRef idx="1">
+            <a:schemeClr val="accent1"/>
+          </a:fillRef>
+          <a:effectRef idx="0">
+            <a:schemeClr val="accent1"/>
+          </a:effectRef>
+          <a:fontRef idx="minor">
+            <a:schemeClr val="lt1"/>
+          </a:fontRef>
+        </p:style>
+        <p:txBody>
+          <a:bodyPr rtlCol="0" anchor="ctr"/>
+          <a:lstStyle/>
+          <a:p>
+            <a:pPr algn="ctr"/>
+            <a:r>
+              <a:rPr lang="en-US" dirty="0" smtClean="0"/>
+              <a:t>Run Time Data</a:t>
+            </a:r>
+            <a:endParaRPr lang="en-US" dirty="0"/>
+          </a:p>
+        </p:txBody>
+      </p:sp>
+      <p:sp>
+        <p:nvSpPr>
+          <p:cNvPr id="16" name="Rectangle 15"/>
+          <p:cNvSpPr/>
+          <p:nvPr/>
+        </p:nvSpPr>
+        <p:spPr>
+          <a:xfrm>
+            <a:off x="2642286" y="2277758"/>
+            <a:ext cx="1542536" cy="1099753"/>
+          </a:xfrm>
+          <a:prstGeom prst="rect">
+            <a:avLst/>
+          </a:prstGeom>
+        </p:spPr>
+        <p:style>
+          <a:lnRef idx="2">
+            <a:schemeClr val="accent1">
+              <a:shade val="50000"/>
+            </a:schemeClr>
+          </a:lnRef>
+          <a:fillRef idx="1">
+            <a:schemeClr val="accent1"/>
+          </a:fillRef>
+          <a:effectRef idx="0">
+            <a:schemeClr val="accent1"/>
+          </a:effectRef>
+          <a:fontRef idx="minor">
+            <a:schemeClr val="lt1"/>
+          </a:fontRef>
+        </p:style>
+        <p:txBody>
+          <a:bodyPr rtlCol="0" anchor="ctr"/>
+          <a:lstStyle/>
+          <a:p>
+            <a:pPr algn="ctr"/>
+            <a:r>
+              <a:rPr lang="en-US" dirty="0" smtClean="0"/>
+              <a:t>Signal Processing</a:t>
+            </a:r>
+            <a:endParaRPr lang="en-US" dirty="0"/>
+          </a:p>
+        </p:txBody>
+      </p:sp>
+      <p:sp>
+        <p:nvSpPr>
+          <p:cNvPr id="17" name="Rectangle 16"/>
+          <p:cNvSpPr/>
+          <p:nvPr/>
+        </p:nvSpPr>
+        <p:spPr>
+          <a:xfrm>
+            <a:off x="4540422" y="2277760"/>
+            <a:ext cx="1890584" cy="1099753"/>
+          </a:xfrm>
+          <a:prstGeom prst="rect">
+            <a:avLst/>
+          </a:prstGeom>
+        </p:spPr>
+        <p:style>
+          <a:lnRef idx="2">
+            <a:schemeClr val="accent1">
+              <a:shade val="50000"/>
+            </a:schemeClr>
+          </a:lnRef>
+          <a:fillRef idx="1">
+            <a:schemeClr val="accent1"/>
+          </a:fillRef>
+          <a:effectRef idx="0">
+            <a:schemeClr val="accent1"/>
+          </a:effectRef>
+          <a:fontRef idx="minor">
+            <a:schemeClr val="lt1"/>
+          </a:fontRef>
+        </p:style>
+        <p:txBody>
+          <a:bodyPr rtlCol="0" anchor="ctr"/>
+          <a:lstStyle/>
+          <a:p>
+            <a:pPr algn="ctr"/>
+            <a:r>
+              <a:rPr lang="en-US" dirty="0" smtClean="0"/>
+              <a:t>Error</a:t>
+            </a:r>
+          </a:p>
+          <a:p>
+            <a:pPr algn="ctr"/>
+            <a:r>
+              <a:rPr lang="en-US" dirty="0" smtClean="0"/>
+              <a:t>Detection and</a:t>
+            </a:r>
+          </a:p>
+          <a:p>
+            <a:pPr algn="ctr"/>
+            <a:r>
+              <a:rPr lang="en-US" dirty="0" smtClean="0"/>
+              <a:t>Accumulation </a:t>
+            </a:r>
+            <a:endParaRPr lang="en-US" dirty="0"/>
+          </a:p>
+        </p:txBody>
+      </p:sp>
+      <p:sp>
+        <p:nvSpPr>
+          <p:cNvPr id="21" name="Rectangle 20"/>
+          <p:cNvSpPr/>
+          <p:nvPr/>
+        </p:nvSpPr>
+        <p:spPr>
+          <a:xfrm>
+            <a:off x="6786606" y="2277760"/>
+            <a:ext cx="1890584" cy="1099753"/>
+          </a:xfrm>
+          <a:prstGeom prst="rect">
+            <a:avLst/>
+          </a:prstGeom>
+        </p:spPr>
+        <p:style>
+          <a:lnRef idx="2">
+            <a:schemeClr val="accent1">
+              <a:shade val="50000"/>
+            </a:schemeClr>
+          </a:lnRef>
+          <a:fillRef idx="1">
+            <a:schemeClr val="accent1"/>
+          </a:fillRef>
+          <a:effectRef idx="0">
+            <a:schemeClr val="accent1"/>
+          </a:effectRef>
+          <a:fontRef idx="minor">
+            <a:schemeClr val="lt1"/>
+          </a:fontRef>
+        </p:style>
+        <p:txBody>
+          <a:bodyPr rtlCol="0" anchor="ctr"/>
+          <a:lstStyle/>
+          <a:p>
+            <a:pPr algn="ctr"/>
+            <a:r>
+              <a:rPr lang="en-US" dirty="0" smtClean="0"/>
+              <a:t>Logic of Algorithm </a:t>
+            </a:r>
+            <a:endParaRPr lang="en-US" dirty="0"/>
+          </a:p>
+        </p:txBody>
+      </p:sp>
+      <p:sp>
+        <p:nvSpPr>
+          <p:cNvPr id="23" name="Rectangle 22"/>
+          <p:cNvSpPr/>
+          <p:nvPr/>
+        </p:nvSpPr>
+        <p:spPr>
+          <a:xfrm>
+            <a:off x="9032789" y="2277759"/>
+            <a:ext cx="1890584" cy="1099753"/>
+          </a:xfrm>
+          <a:prstGeom prst="rect">
+            <a:avLst/>
+          </a:prstGeom>
+        </p:spPr>
+        <p:style>
+          <a:lnRef idx="2">
+            <a:schemeClr val="accent1">
+              <a:shade val="50000"/>
+            </a:schemeClr>
+          </a:lnRef>
+          <a:fillRef idx="1">
+            <a:schemeClr val="accent1"/>
+          </a:fillRef>
+          <a:effectRef idx="0">
+            <a:schemeClr val="accent1"/>
+          </a:effectRef>
+          <a:fontRef idx="minor">
+            <a:schemeClr val="lt1"/>
+          </a:fontRef>
+        </p:style>
+        <p:txBody>
+          <a:bodyPr rtlCol="0" anchor="ctr"/>
+          <a:lstStyle/>
+          <a:p>
+            <a:pPr algn="ctr"/>
+            <a:r>
+              <a:rPr lang="en-US" dirty="0" smtClean="0"/>
+              <a:t>Degree of abnormality</a:t>
+            </a:r>
+            <a:endParaRPr lang="en-US" dirty="0"/>
+          </a:p>
+        </p:txBody>
+      </p:sp>
+      <p:cxnSp>
+        <p:nvCxnSpPr>
+          <p:cNvPr id="7" name="Straight Connector 6"/>
+          <p:cNvCxnSpPr>
+            <a:stCxn id="5" idx="3"/>
+            <a:endCxn id="16" idx="1"/>
+          </p:cNvCxnSpPr>
+          <p:nvPr/>
+        </p:nvCxnSpPr>
+        <p:spPr>
+          <a:xfrm>
+            <a:off x="2108886" y="2388973"/>
+            <a:ext cx="533400" cy="438662"/>
+          </a:xfrm>
+          <a:prstGeom prst="line">
+            <a:avLst/>
+          </a:prstGeom>
+        </p:spPr>
+        <p:style>
+          <a:lnRef idx="1">
+            <a:schemeClr val="accent1"/>
+          </a:lnRef>
+          <a:fillRef idx="0">
+            <a:schemeClr val="accent1"/>
+          </a:fillRef>
+          <a:effectRef idx="0">
+            <a:schemeClr val="accent1"/>
+          </a:effectRef>
+          <a:fontRef idx="minor">
+            <a:schemeClr val="tx1"/>
+          </a:fontRef>
+        </p:style>
+      </p:cxnSp>
+      <p:cxnSp>
+        <p:nvCxnSpPr>
+          <p:cNvPr id="13" name="Straight Connector 12"/>
+          <p:cNvCxnSpPr>
+            <a:stCxn id="14" idx="3"/>
+            <a:endCxn id="16" idx="1"/>
+          </p:cNvCxnSpPr>
+          <p:nvPr/>
+        </p:nvCxnSpPr>
+        <p:spPr>
+          <a:xfrm flipV="1">
+            <a:off x="2108886" y="2827635"/>
+            <a:ext cx="533400" cy="660354"/>
+          </a:xfrm>
+          <a:prstGeom prst="line">
+            <a:avLst/>
+          </a:prstGeom>
+        </p:spPr>
+        <p:style>
+          <a:lnRef idx="1">
+            <a:schemeClr val="accent1"/>
+          </a:lnRef>
+          <a:fillRef idx="0">
+            <a:schemeClr val="accent1"/>
+          </a:fillRef>
+          <a:effectRef idx="0">
+            <a:schemeClr val="accent1"/>
+          </a:effectRef>
+          <a:fontRef idx="minor">
+            <a:schemeClr val="tx1"/>
+          </a:fontRef>
+        </p:style>
+      </p:cxnSp>
+      <p:cxnSp>
+        <p:nvCxnSpPr>
+          <p:cNvPr id="25" name="Straight Connector 24"/>
+          <p:cNvCxnSpPr>
+            <a:stCxn id="16" idx="3"/>
+            <a:endCxn id="17" idx="1"/>
+          </p:cNvCxnSpPr>
+          <p:nvPr/>
+        </p:nvCxnSpPr>
+        <p:spPr>
+          <a:xfrm>
+            <a:off x="4184822" y="2827635"/>
+            <a:ext cx="355600" cy="2"/>
+          </a:xfrm>
+          <a:prstGeom prst="line">
+            <a:avLst/>
+          </a:prstGeom>
+        </p:spPr>
+        <p:style>
+          <a:lnRef idx="1">
+            <a:schemeClr val="accent1"/>
+          </a:lnRef>
+          <a:fillRef idx="0">
+            <a:schemeClr val="accent1"/>
+          </a:fillRef>
+          <a:effectRef idx="0">
+            <a:schemeClr val="accent1"/>
+          </a:effectRef>
+          <a:fontRef idx="minor">
+            <a:schemeClr val="tx1"/>
+          </a:fontRef>
+        </p:style>
+      </p:cxnSp>
+      <p:cxnSp>
+        <p:nvCxnSpPr>
+          <p:cNvPr id="27" name="Straight Connector 26"/>
+          <p:cNvCxnSpPr>
+            <a:stCxn id="17" idx="3"/>
+            <a:endCxn id="21" idx="1"/>
+          </p:cNvCxnSpPr>
+          <p:nvPr/>
+        </p:nvCxnSpPr>
+        <p:spPr>
+          <a:xfrm>
+            <a:off x="6431006" y="2827637"/>
+            <a:ext cx="355600" cy="0"/>
+          </a:xfrm>
+          <a:prstGeom prst="line">
+            <a:avLst/>
+          </a:prstGeom>
+        </p:spPr>
+        <p:style>
+          <a:lnRef idx="1">
+            <a:schemeClr val="accent1"/>
+          </a:lnRef>
+          <a:fillRef idx="0">
+            <a:schemeClr val="accent1"/>
+          </a:fillRef>
+          <a:effectRef idx="0">
+            <a:schemeClr val="accent1"/>
+          </a:effectRef>
+          <a:fontRef idx="minor">
+            <a:schemeClr val="tx1"/>
+          </a:fontRef>
+        </p:style>
+      </p:cxnSp>
+      <p:cxnSp>
+        <p:nvCxnSpPr>
+          <p:cNvPr id="31" name="Straight Connector 30"/>
+          <p:cNvCxnSpPr>
+            <a:stCxn id="21" idx="3"/>
+            <a:endCxn id="23" idx="1"/>
+          </p:cNvCxnSpPr>
+          <p:nvPr/>
+        </p:nvCxnSpPr>
+        <p:spPr>
+          <a:xfrm flipV="1">
+            <a:off x="8677190" y="2827636"/>
+            <a:ext cx="355599" cy="1"/>
+          </a:xfrm>
+          <a:prstGeom prst="line">
+            <a:avLst/>
+          </a:prstGeom>
+        </p:spPr>
+        <p:style>
+          <a:lnRef idx="1">
+            <a:schemeClr val="accent1"/>
+          </a:lnRef>
+          <a:fillRef idx="0">
+            <a:schemeClr val="accent1"/>
+          </a:fillRef>
+          <a:effectRef idx="0">
+            <a:schemeClr val="accent1"/>
+          </a:effectRef>
+          <a:fontRef idx="minor">
+            <a:schemeClr val="tx1"/>
+          </a:fontRef>
+        </p:style>
+      </p:cxnSp>
+    </p:spTree>
+    <p:extLst>
+      <p:ext uri="{BB962C8B-B14F-4D97-AF65-F5344CB8AC3E}">
+        <p14:creationId xmlns:p14="http://schemas.microsoft.com/office/powerpoint/2010/main" val="4054302490"/>
+      </p:ext>
+    </p:extLst>
+  </p:cSld>
+  <p:clrMapOvr>
+    <a:masterClrMapping/>
+  </p:clrMapOvr>
+</p:sld>
+</file>
+
 <file path=ppt/theme/theme1.xml><?xml version="1.0" encoding="utf-8"?>
 <a:theme xmlns:a="http://schemas.openxmlformats.org/drawingml/2006/main" name="Dividend">
   <a:themeElements>

--- a/doc/Vinu_Xavier_16MPD0024_Status_03.pptx
+++ b/doc/Vinu_Xavier_16MPD0024_Status_03.pptx
@@ -14,9 +14,10 @@
     <p:sldId id="263" r:id="rId8"/>
     <p:sldId id="264" r:id="rId9"/>
     <p:sldId id="266" r:id="rId10"/>
-    <p:sldId id="267" r:id="rId11"/>
-    <p:sldId id="268" r:id="rId12"/>
-    <p:sldId id="269" r:id="rId13"/>
+    <p:sldId id="270" r:id="rId11"/>
+    <p:sldId id="267" r:id="rId12"/>
+    <p:sldId id="268" r:id="rId13"/>
+    <p:sldId id="269" r:id="rId14"/>
   </p:sldIdLst>
   <p:sldSz cx="12192000" cy="6858000"/>
   <p:notesSz cx="6858000" cy="9144000"/>
@@ -3885,23 +3886,7 @@
                   <a:schemeClr val="bg1"/>
                 </a:solidFill>
               </a:rPr>
-              <a:t>ABNORMAL </a:t>
-            </a:r>
-            <a:r>
-              <a:rPr lang="en-US" dirty="0" smtClean="0">
-                <a:solidFill>
-                  <a:schemeClr val="bg1"/>
-                </a:solidFill>
-              </a:rPr>
-              <a:t>DRIVING BEHAVIOR </a:t>
-            </a:r>
-            <a:r>
-              <a:rPr lang="en-US" dirty="0" smtClean="0">
-                <a:solidFill>
-                  <a:schemeClr val="bg1"/>
-                </a:solidFill>
-              </a:rPr>
-              <a:t>DETECTION</a:t>
+              <a:t>ABNORMAL DRIVING BEHAVIOR DETECTION</a:t>
             </a:r>
             <a:endParaRPr lang="en-US" dirty="0">
               <a:solidFill>
@@ -4316,7 +4301,7 @@
           <a:p>
             <a:r>
               <a:rPr lang="en-IN" dirty="0" smtClean="0"/>
-              <a:t>RESULTS – SIDE SLIP ALGORITHM – ABNORMAL BEHAVIOR</a:t>
+              <a:t>IMPLEMENTATION of Side SLIPPING AND WAVING DETECTION</a:t>
             </a:r>
             <a:endParaRPr lang="en-US" dirty="0"/>
           </a:p>
@@ -4324,7 +4309,7 @@
       </p:sp>
       <p:pic>
         <p:nvPicPr>
-          <p:cNvPr id="4" name="Picture 3" descr="Screen Clipping"/>
+          <p:cNvPr id="3" name="Picture 2" descr="Screen Clipping"/>
           <p:cNvPicPr>
             <a:picLocks noChangeAspect="1"/>
           </p:cNvPicPr>
@@ -4344,8 +4329,8 @@
         </p:blipFill>
         <p:spPr>
           <a:xfrm>
-            <a:off x="581192" y="1473859"/>
-            <a:ext cx="10437341" cy="5384141"/>
+            <a:off x="80123" y="1266523"/>
+            <a:ext cx="12031754" cy="4324954"/>
           </a:xfrm>
           <a:prstGeom prst="rect">
             <a:avLst/>
@@ -4355,7 +4340,7 @@
     </p:spTree>
     <p:extLst>
       <p:ext uri="{BB962C8B-B14F-4D97-AF65-F5344CB8AC3E}">
-        <p14:creationId xmlns:p14="http://schemas.microsoft.com/office/powerpoint/2010/main" val="4117117480"/>
+        <p14:creationId xmlns:p14="http://schemas.microsoft.com/office/powerpoint/2010/main" val="1722899075"/>
       </p:ext>
     </p:extLst>
   </p:cSld>
@@ -4399,7 +4384,7 @@
           <a:p>
             <a:r>
               <a:rPr lang="en-IN" dirty="0" smtClean="0"/>
-              <a:t>RESULTS – SIDE SLIP ALGORITHM –NORMAL BEHAVIOR</a:t>
+              <a:t>RESULTS – SIDE SLIP ALGORITHM – ABNORMAL BEHAVIOR</a:t>
             </a:r>
             <a:endParaRPr lang="en-US" dirty="0"/>
           </a:p>
@@ -4407,7 +4392,7 @@
       </p:sp>
       <p:pic>
         <p:nvPicPr>
-          <p:cNvPr id="5" name="Picture 4" descr="Screen Clipping"/>
+          <p:cNvPr id="4" name="Picture 3" descr="Screen Clipping"/>
           <p:cNvPicPr>
             <a:picLocks noChangeAspect="1"/>
           </p:cNvPicPr>
@@ -4427,8 +4412,8 @@
         </p:blipFill>
         <p:spPr>
           <a:xfrm>
-            <a:off x="420129" y="1666592"/>
-            <a:ext cx="11055178" cy="3837001"/>
+            <a:off x="581192" y="1473859"/>
+            <a:ext cx="10437341" cy="5384141"/>
           </a:xfrm>
           <a:prstGeom prst="rect">
             <a:avLst/>
@@ -4438,7 +4423,7 @@
     </p:spTree>
     <p:extLst>
       <p:ext uri="{BB962C8B-B14F-4D97-AF65-F5344CB8AC3E}">
-        <p14:creationId xmlns:p14="http://schemas.microsoft.com/office/powerpoint/2010/main" val="1384243364"/>
+        <p14:creationId xmlns:p14="http://schemas.microsoft.com/office/powerpoint/2010/main" val="4117117480"/>
       </p:ext>
     </p:extLst>
   </p:cSld>
@@ -4482,6 +4467,89 @@
           <a:p>
             <a:r>
               <a:rPr lang="en-IN" dirty="0" smtClean="0"/>
+              <a:t>RESULTS – SIDE SLIP ALGORITHM –NORMAL BEHAVIOR</a:t>
+            </a:r>
+            <a:endParaRPr lang="en-US" dirty="0"/>
+          </a:p>
+        </p:txBody>
+      </p:sp>
+      <p:pic>
+        <p:nvPicPr>
+          <p:cNvPr id="5" name="Picture 4" descr="Screen Clipping"/>
+          <p:cNvPicPr>
+            <a:picLocks noChangeAspect="1"/>
+          </p:cNvPicPr>
+          <p:nvPr/>
+        </p:nvPicPr>
+        <p:blipFill>
+          <a:blip r:embed="rId2">
+            <a:extLst>
+              <a:ext uri="{28A0092B-C50C-407E-A947-70E740481C1C}">
+                <a14:useLocalDpi xmlns:a14="http://schemas.microsoft.com/office/drawing/2010/main" val="0"/>
+              </a:ext>
+            </a:extLst>
+          </a:blip>
+          <a:stretch>
+            <a:fillRect/>
+          </a:stretch>
+        </p:blipFill>
+        <p:spPr>
+          <a:xfrm>
+            <a:off x="420129" y="1666592"/>
+            <a:ext cx="11055178" cy="3837001"/>
+          </a:xfrm>
+          <a:prstGeom prst="rect">
+            <a:avLst/>
+          </a:prstGeom>
+        </p:spPr>
+      </p:pic>
+    </p:spTree>
+    <p:extLst>
+      <p:ext uri="{BB962C8B-B14F-4D97-AF65-F5344CB8AC3E}">
+        <p14:creationId xmlns:p14="http://schemas.microsoft.com/office/powerpoint/2010/main" val="1384243364"/>
+      </p:ext>
+    </p:extLst>
+  </p:cSld>
+  <p:clrMapOvr>
+    <a:masterClrMapping/>
+  </p:clrMapOvr>
+</p:sld>
+</file>
+
+<file path=ppt/slides/slide13.xml><?xml version="1.0" encoding="utf-8"?>
+<p:sld xmlns:a="http://schemas.openxmlformats.org/drawingml/2006/main" xmlns:r="http://schemas.openxmlformats.org/officeDocument/2006/relationships" xmlns:p="http://schemas.openxmlformats.org/presentationml/2006/main">
+  <p:cSld>
+    <p:spTree>
+      <p:nvGrpSpPr>
+        <p:cNvPr id="1" name=""/>
+        <p:cNvGrpSpPr/>
+        <p:nvPr/>
+      </p:nvGrpSpPr>
+      <p:grpSpPr>
+        <a:xfrm>
+          <a:off x="0" y="0"/>
+          <a:ext cx="0" cy="0"/>
+          <a:chOff x="0" y="0"/>
+          <a:chExt cx="0" cy="0"/>
+        </a:xfrm>
+      </p:grpSpPr>
+      <p:sp>
+        <p:nvSpPr>
+          <p:cNvPr id="2" name="Title 1"/>
+          <p:cNvSpPr>
+            <a:spLocks noGrp="1"/>
+          </p:cNvSpPr>
+          <p:nvPr>
+            <p:ph type="title"/>
+          </p:nvPr>
+        </p:nvSpPr>
+        <p:spPr/>
+        <p:txBody>
+          <a:bodyPr/>
+          <a:lstStyle/>
+          <a:p>
+            <a:r>
+              <a:rPr lang="en-IN" dirty="0" smtClean="0"/>
               <a:t>CONCLUSION</a:t>
             </a:r>
             <a:endParaRPr lang="en-US" dirty="0"/>
@@ -4521,18 +4589,44 @@
             </a:r>
             <a:r>
               <a:rPr lang="en-US" dirty="0" smtClean="0"/>
-              <a:t> Simulink with real time </a:t>
-            </a:r>
-            <a:r>
-              <a:rPr lang="en-US" smtClean="0"/>
-              <a:t>SAS inputs.</a:t>
-            </a:r>
-            <a:endParaRPr lang="en-US" dirty="0" smtClean="0"/>
+              <a:t> Simulink with real time SAS inputs.</a:t>
+            </a:r>
           </a:p>
           <a:p>
             <a:r>
               <a:rPr lang="en-US" dirty="0" smtClean="0"/>
-              <a:t>Algorithm is verified against normal and abnormal behavior.</a:t>
+              <a:t>Algorithm is verified against normal and abnormal behavior</a:t>
+            </a:r>
+            <a:r>
+              <a:rPr lang="en-US" dirty="0" smtClean="0"/>
+              <a:t>.</a:t>
+            </a:r>
+          </a:p>
+          <a:p>
+            <a:r>
+              <a:rPr lang="en-US" dirty="0" smtClean="0"/>
+              <a:t>Future scope is to integrate additional inputs from</a:t>
+            </a:r>
+          </a:p>
+          <a:p>
+            <a:pPr lvl="1"/>
+            <a:r>
+              <a:rPr lang="en-US" dirty="0" smtClean="0"/>
+              <a:t>Wheel speed sensors</a:t>
+            </a:r>
+          </a:p>
+          <a:p>
+            <a:pPr lvl="1"/>
+            <a:r>
+              <a:rPr lang="en-US" dirty="0" smtClean="0"/>
+              <a:t>Brake pressure sensor</a:t>
+            </a:r>
+          </a:p>
+          <a:p>
+            <a:pPr lvl="1"/>
+            <a:r>
+              <a:rPr lang="en-US" dirty="0" smtClean="0"/>
+              <a:t>Suspension sensor</a:t>
             </a:r>
           </a:p>
         </p:txBody>
